--- a/Class Slides 2022/Class 15.pptx
+++ b/Class Slides 2022/Class 15.pptx
@@ -119,6 +119,11 @@
       </a:defRPr>
     </a:lvl9pPr>
   </p:defaultTextStyle>
+  <p:extLst>
+    <p:ext uri="{EFAFB233-063F-42B5-8137-9DF3F51BA10A}">
+      <p15:sldGuideLst xmlns:p15="http://schemas.microsoft.com/office/powerpoint/2012/main"/>
+    </p:ext>
+  </p:extLst>
 </p:presentation>
 </file>
 
@@ -269,7 +274,7 @@
           <a:p>
             <a:fld id="{31263E99-B727-4AB5-A57C-5856466DE028}" type="datetimeFigureOut">
               <a:rPr lang="en-US" smtClean="0"/>
-              <a:t>10/23/2022</a:t>
+              <a:t>1/26/2024</a:t>
             </a:fld>
             <a:endParaRPr lang="en-US"/>
           </a:p>
@@ -467,7 +472,7 @@
           <a:p>
             <a:fld id="{31263E99-B727-4AB5-A57C-5856466DE028}" type="datetimeFigureOut">
               <a:rPr lang="en-US" smtClean="0"/>
-              <a:t>10/23/2022</a:t>
+              <a:t>1/26/2024</a:t>
             </a:fld>
             <a:endParaRPr lang="en-US"/>
           </a:p>
@@ -675,7 +680,7 @@
           <a:p>
             <a:fld id="{31263E99-B727-4AB5-A57C-5856466DE028}" type="datetimeFigureOut">
               <a:rPr lang="en-US" smtClean="0"/>
-              <a:t>10/23/2022</a:t>
+              <a:t>1/26/2024</a:t>
             </a:fld>
             <a:endParaRPr lang="en-US"/>
           </a:p>
@@ -873,7 +878,7 @@
           <a:p>
             <a:fld id="{31263E99-B727-4AB5-A57C-5856466DE028}" type="datetimeFigureOut">
               <a:rPr lang="en-US" smtClean="0"/>
-              <a:t>10/23/2022</a:t>
+              <a:t>1/26/2024</a:t>
             </a:fld>
             <a:endParaRPr lang="en-US"/>
           </a:p>
@@ -1148,7 +1153,7 @@
           <a:p>
             <a:fld id="{31263E99-B727-4AB5-A57C-5856466DE028}" type="datetimeFigureOut">
               <a:rPr lang="en-US" smtClean="0"/>
-              <a:t>10/23/2022</a:t>
+              <a:t>1/26/2024</a:t>
             </a:fld>
             <a:endParaRPr lang="en-US"/>
           </a:p>
@@ -1413,7 +1418,7 @@
           <a:p>
             <a:fld id="{31263E99-B727-4AB5-A57C-5856466DE028}" type="datetimeFigureOut">
               <a:rPr lang="en-US" smtClean="0"/>
-              <a:t>10/23/2022</a:t>
+              <a:t>1/26/2024</a:t>
             </a:fld>
             <a:endParaRPr lang="en-US"/>
           </a:p>
@@ -1825,7 +1830,7 @@
           <a:p>
             <a:fld id="{31263E99-B727-4AB5-A57C-5856466DE028}" type="datetimeFigureOut">
               <a:rPr lang="en-US" smtClean="0"/>
-              <a:t>10/23/2022</a:t>
+              <a:t>1/26/2024</a:t>
             </a:fld>
             <a:endParaRPr lang="en-US"/>
           </a:p>
@@ -1966,7 +1971,7 @@
           <a:p>
             <a:fld id="{31263E99-B727-4AB5-A57C-5856466DE028}" type="datetimeFigureOut">
               <a:rPr lang="en-US" smtClean="0"/>
-              <a:t>10/23/2022</a:t>
+              <a:t>1/26/2024</a:t>
             </a:fld>
             <a:endParaRPr lang="en-US"/>
           </a:p>
@@ -2079,7 +2084,7 @@
           <a:p>
             <a:fld id="{31263E99-B727-4AB5-A57C-5856466DE028}" type="datetimeFigureOut">
               <a:rPr lang="en-US" smtClean="0"/>
-              <a:t>10/23/2022</a:t>
+              <a:t>1/26/2024</a:t>
             </a:fld>
             <a:endParaRPr lang="en-US"/>
           </a:p>
@@ -2390,7 +2395,7 @@
           <a:p>
             <a:fld id="{31263E99-B727-4AB5-A57C-5856466DE028}" type="datetimeFigureOut">
               <a:rPr lang="en-US" smtClean="0"/>
-              <a:t>10/23/2022</a:t>
+              <a:t>1/26/2024</a:t>
             </a:fld>
             <a:endParaRPr lang="en-US"/>
           </a:p>
@@ -2678,7 +2683,7 @@
           <a:p>
             <a:fld id="{31263E99-B727-4AB5-A57C-5856466DE028}" type="datetimeFigureOut">
               <a:rPr lang="en-US" smtClean="0"/>
-              <a:t>10/23/2022</a:t>
+              <a:t>1/26/2024</a:t>
             </a:fld>
             <a:endParaRPr lang="en-US"/>
           </a:p>
@@ -2919,7 +2924,7 @@
           <a:p>
             <a:fld id="{31263E99-B727-4AB5-A57C-5856466DE028}" type="datetimeFigureOut">
               <a:rPr lang="en-US" smtClean="0"/>
-              <a:t>10/23/2022</a:t>
+              <a:t>1/26/2024</a:t>
             </a:fld>
             <a:endParaRPr lang="en-US"/>
           </a:p>
@@ -5579,36 +5584,6 @@
           </a:prstGeom>
         </p:spPr>
       </p:pic>
-      <p:pic>
-        <p:nvPicPr>
-          <p:cNvPr id="17" name="Picture 16">
-            <a:extLst>
-              <a:ext uri="{FF2B5EF4-FFF2-40B4-BE49-F238E27FC236}">
-                <a16:creationId xmlns:a16="http://schemas.microsoft.com/office/drawing/2014/main" id="{7A855B0D-D131-AEFB-9F21-FDCF0F0907C3}"/>
-              </a:ext>
-            </a:extLst>
-          </p:cNvPr>
-          <p:cNvPicPr>
-            <a:picLocks noChangeAspect="1"/>
-          </p:cNvPicPr>
-          <p:nvPr/>
-        </p:nvPicPr>
-        <p:blipFill>
-          <a:blip r:embed="rId5"/>
-          <a:stretch>
-            <a:fillRect/>
-          </a:stretch>
-        </p:blipFill>
-        <p:spPr>
-          <a:xfrm>
-            <a:off x="4752975" y="4442093"/>
-            <a:ext cx="7439025" cy="504825"/>
-          </a:xfrm>
-          <a:prstGeom prst="rect">
-            <a:avLst/>
-          </a:prstGeom>
-        </p:spPr>
-      </p:pic>
     </p:spTree>
     <p:extLst>
       <p:ext uri="{BB962C8B-B14F-4D97-AF65-F5344CB8AC3E}">
